--- a/淺談時序資料分析.pptx
+++ b/淺談時序資料分析.pptx
@@ -12660,8 +12660,8 @@
           </a:p>
         </p:txBody>
       </p:sp>
-      <mc:AlternateContent xmlns:mc="http://schemas.openxmlformats.org/markup-compatibility/2006">
-        <mc:Choice xmlns:a14="http://schemas.microsoft.com/office/drawing/2010/main" Requires="a14">
+      <mc:AlternateContent xmlns:mc="http://schemas.openxmlformats.org/markup-compatibility/2006" xmlns:a14="http://schemas.microsoft.com/office/drawing/2010/main">
+        <mc:Choice Requires="a14">
           <p:sp>
             <p:nvSpPr>
               <p:cNvPr id="3" name="內容版面配置區 2"/>
@@ -13120,7 +13120,7 @@
             </p:txBody>
           </p:sp>
         </mc:Choice>
-        <mc:Fallback>
+        <mc:Fallback xmlns="">
           <p:sp>
             <p:nvSpPr>
               <p:cNvPr id="3" name="內容版面配置區 2"/>
@@ -15413,14 +15413,12 @@
           <a:p>
             <a:r>
               <a:rPr lang="zh-TW" altLang="en-US" dirty="0" smtClean="0"/>
-              <a:t>相關範例程式碼可以</a:t>
-            </a:r>
-            <a:r>
-              <a:rPr lang="zh-TW" altLang="en-US" dirty="0" smtClean="0"/>
-              <a:t>於我的</a:t>
-            </a:r>
-            <a:r>
-              <a:rPr lang="en-US" altLang="zh-TW" dirty="0" err="1" smtClean="0"/>
+              <a:t>相關範例程式碼可以於我的</a:t>
+            </a:r>
+            <a:r>
+              <a:rPr lang="en-US" altLang="zh-TW" dirty="0" err="1" smtClean="0">
+                <a:hlinkClick r:id="rId3"/>
+              </a:rPr>
               <a:t>Github</a:t>
             </a:r>
             <a:r>
@@ -16581,7 +16579,6 @@
               <a:rPr lang="en-US" altLang="zh-TW" dirty="0" smtClean="0"/>
               <a:t>Math</a:t>
             </a:r>
-            <a:endParaRPr lang="en-US" altLang="zh-TW" dirty="0" smtClean="0"/>
           </a:p>
         </p:txBody>
       </p:sp>

--- a/淺談時序資料分析.pptx
+++ b/淺談時序資料分析.pptx
@@ -10149,14 +10149,14 @@
           <p:nvPr/>
         </p:nvPicPr>
         <p:blipFill rotWithShape="1">
-          <a:blip r:embed="rId7">
+          <a:blip r:embed="rId7" cstate="print">
             <a:extLst>
               <a:ext uri="{28A0092B-C50C-407E-A947-70E740481C1C}">
                 <a14:useLocalDpi xmlns:a14="http://schemas.microsoft.com/office/drawing/2010/main" val="0"/>
               </a:ext>
             </a:extLst>
           </a:blip>
-          <a:srcRect l="2667" t="23763" r="52095" b="27324"/>
+          <a:srcRect/>
           <a:stretch/>
         </p:blipFill>
         <p:spPr>
@@ -13643,14 +13643,14 @@
           <p:nvPr/>
         </p:nvPicPr>
         <p:blipFill rotWithShape="1">
-          <a:blip r:embed="rId3">
+          <a:blip r:embed="rId3" cstate="print">
             <a:extLst>
               <a:ext uri="{28A0092B-C50C-407E-A947-70E740481C1C}">
                 <a14:useLocalDpi xmlns:a14="http://schemas.microsoft.com/office/drawing/2010/main" val="0"/>
               </a:ext>
             </a:extLst>
           </a:blip>
-          <a:srcRect t="79673" r="84286" b="10007"/>
+          <a:srcRect/>
           <a:stretch/>
         </p:blipFill>
         <p:spPr>
@@ -13873,7 +13873,7 @@
               </a:ext>
             </a:extLst>
           </a:blip>
-          <a:srcRect t="6404"/>
+          <a:srcRect/>
           <a:stretch/>
         </p:blipFill>
         <p:spPr>
@@ -14136,14 +14136,14 @@
           <p:nvPr/>
         </p:nvPicPr>
         <p:blipFill rotWithShape="1">
-          <a:blip r:embed="rId6">
+          <a:blip r:embed="rId6" cstate="print">
             <a:extLst>
               <a:ext uri="{28A0092B-C50C-407E-A947-70E740481C1C}">
                 <a14:useLocalDpi xmlns:a14="http://schemas.microsoft.com/office/drawing/2010/main" val="0"/>
               </a:ext>
             </a:extLst>
           </a:blip>
-          <a:srcRect t="74667" r="68406" b="11942"/>
+          <a:srcRect/>
           <a:stretch/>
         </p:blipFill>
         <p:spPr>
@@ -15259,9 +15259,37 @@
           </a:p>
         </p:txBody>
       </p:sp>
+      <p:sp>
+        <p:nvSpPr>
+          <p:cNvPr id="6" name="投影片編號版面配置區 5"/>
+          <p:cNvSpPr>
+            <a:spLocks noGrp="1"/>
+          </p:cNvSpPr>
+          <p:nvPr>
+            <p:ph type="sldNum" sz="quarter" idx="12"/>
+          </p:nvPr>
+        </p:nvSpPr>
+        <p:spPr/>
+        <p:txBody>
+          <a:bodyPr/>
+          <a:lstStyle/>
+          <a:p>
+            <a:fld id="{AD18A980-F6DB-4FEB-875B-D75AA71F5F30}" type="slidenum">
+              <a:rPr lang="zh-TW" altLang="en-US" smtClean="0"/>
+              <a:pPr/>
+              <a:t>22</a:t>
+            </a:fld>
+            <a:r>
+              <a:rPr lang="en-US" altLang="zh-TW" smtClean="0"/>
+              <a:t>/ 23</a:t>
+            </a:r>
+            <a:endParaRPr lang="zh-TW" altLang="en-US" dirty="0"/>
+          </a:p>
+        </p:txBody>
+      </p:sp>
       <p:pic>
         <p:nvPicPr>
-          <p:cNvPr id="4" name="圖片 3" descr="Figure 1"/>
+          <p:cNvPr id="5" name="圖片 4" descr="Figure 1"/>
           <p:cNvPicPr>
             <a:picLocks noChangeAspect="1"/>
           </p:cNvPicPr>
@@ -15281,42 +15309,14 @@
         </p:blipFill>
         <p:spPr>
           <a:xfrm>
-            <a:off x="2377480" y="2225824"/>
-            <a:ext cx="4968552" cy="4180854"/>
+            <a:off x="2087914" y="2060848"/>
+            <a:ext cx="5220390" cy="4392767"/>
           </a:xfrm>
           <a:prstGeom prst="rect">
             <a:avLst/>
           </a:prstGeom>
         </p:spPr>
       </p:pic>
-      <p:sp>
-        <p:nvSpPr>
-          <p:cNvPr id="6" name="投影片編號版面配置區 5"/>
-          <p:cNvSpPr>
-            <a:spLocks noGrp="1"/>
-          </p:cNvSpPr>
-          <p:nvPr>
-            <p:ph type="sldNum" sz="quarter" idx="12"/>
-          </p:nvPr>
-        </p:nvSpPr>
-        <p:spPr/>
-        <p:txBody>
-          <a:bodyPr/>
-          <a:lstStyle/>
-          <a:p>
-            <a:fld id="{AD18A980-F6DB-4FEB-875B-D75AA71F5F30}" type="slidenum">
-              <a:rPr lang="zh-TW" altLang="en-US" smtClean="0"/>
-              <a:pPr/>
-              <a:t>22</a:t>
-            </a:fld>
-            <a:r>
-              <a:rPr lang="en-US" altLang="zh-TW" smtClean="0"/>
-              <a:t>/ 23</a:t>
-            </a:r>
-            <a:endParaRPr lang="zh-TW" altLang="en-US" dirty="0"/>
-          </a:p>
-        </p:txBody>
-      </p:sp>
     </p:spTree>
     <p:extLst>
       <p:ext uri="{BB962C8B-B14F-4D97-AF65-F5344CB8AC3E}">
@@ -15896,14 +15896,14 @@
           <p:nvPr/>
         </p:nvPicPr>
         <p:blipFill rotWithShape="1">
-          <a:blip r:embed="rId3">
+          <a:blip r:embed="rId3" cstate="print">
             <a:extLst>
               <a:ext uri="{28A0092B-C50C-407E-A947-70E740481C1C}">
                 <a14:useLocalDpi xmlns:a14="http://schemas.microsoft.com/office/drawing/2010/main" val="0"/>
               </a:ext>
             </a:extLst>
           </a:blip>
-          <a:srcRect l="7904" t="53681" r="25144"/>
+          <a:srcRect/>
           <a:stretch/>
         </p:blipFill>
         <p:spPr>
@@ -17164,14 +17164,14 @@
           <p:nvPr/>
         </p:nvPicPr>
         <p:blipFill rotWithShape="1">
-          <a:blip r:embed="rId4">
+          <a:blip r:embed="rId4" cstate="print">
             <a:extLst>
               <a:ext uri="{28A0092B-C50C-407E-A947-70E740481C1C}">
                 <a14:useLocalDpi xmlns:a14="http://schemas.microsoft.com/office/drawing/2010/main" val="0"/>
               </a:ext>
             </a:extLst>
           </a:blip>
-          <a:srcRect l="2761" t="23604" r="82096" b="53285"/>
+          <a:srcRect/>
           <a:stretch/>
         </p:blipFill>
         <p:spPr>
